--- a/manuscript/Figures/ecPoint_Methodology.pptx
+++ b/manuscript/Figures/ecPoint_Methodology.pptx
@@ -115,7 +115,7 @@
 <file path=ppt/revisionInfo.xml><?xml version="1.0" encoding="utf-8"?>
 <p1510:revInfo xmlns:a="http://schemas.openxmlformats.org/drawingml/2006/main" xmlns:r="http://schemas.openxmlformats.org/officeDocument/2006/relationships" xmlns:p1510="http://schemas.microsoft.com/office/powerpoint/2015/10/main">
   <p1510:revLst>
-    <p1510:client id="{BF4D6480-94C7-4D31-A852-C808A49439DD}" v="201" dt="2020-12-03T15:03:41.449"/>
+    <p1510:client id="{BF4D6480-94C7-4D31-A852-C808A49439DD}" v="204" dt="2020-12-03T15:56:18.232"/>
   </p1510:revLst>
 </p1510:revInfo>
 </file>
@@ -125,16 +125,24 @@
   <pc:docChgLst>
     <pc:chgData name="Fatima Pillosu" userId="a6295d4dc9e22643" providerId="LiveId" clId="{BF4D6480-94C7-4D31-A852-C808A49439DD}"/>
     <pc:docChg chg="undo custSel addSld delSld modSld">
-      <pc:chgData name="Fatima Pillosu" userId="a6295d4dc9e22643" providerId="LiveId" clId="{BF4D6480-94C7-4D31-A852-C808A49439DD}" dt="2020-12-03T15:04:12.064" v="2592" actId="1035"/>
+      <pc:chgData name="Fatima Pillosu" userId="a6295d4dc9e22643" providerId="LiveId" clId="{BF4D6480-94C7-4D31-A852-C808A49439DD}" dt="2020-12-03T16:11:40.301" v="2917" actId="1036"/>
       <pc:docMkLst>
         <pc:docMk/>
       </pc:docMkLst>
       <pc:sldChg chg="addSp delSp modSp">
-        <pc:chgData name="Fatima Pillosu" userId="a6295d4dc9e22643" providerId="LiveId" clId="{BF4D6480-94C7-4D31-A852-C808A49439DD}" dt="2020-12-03T15:04:12.064" v="2592" actId="1035"/>
+        <pc:chgData name="Fatima Pillosu" userId="a6295d4dc9e22643" providerId="LiveId" clId="{BF4D6480-94C7-4D31-A852-C808A49439DD}" dt="2020-12-03T16:11:40.301" v="2917" actId="1036"/>
         <pc:sldMkLst>
           <pc:docMk/>
           <pc:sldMk cId="1556184242" sldId="256"/>
         </pc:sldMkLst>
+        <pc:spChg chg="add mod">
+          <ac:chgData name="Fatima Pillosu" userId="a6295d4dc9e22643" providerId="LiveId" clId="{BF4D6480-94C7-4D31-A852-C808A49439DD}" dt="2020-12-03T15:56:38.136" v="2779" actId="20577"/>
+          <ac:spMkLst>
+            <pc:docMk/>
+            <pc:sldMk cId="1556184242" sldId="256"/>
+            <ac:spMk id="185" creationId="{BA2EB1FC-BD23-48FE-A7E3-6DD5723BEFF5}"/>
+          </ac:spMkLst>
+        </pc:spChg>
         <pc:spChg chg="add del mod">
           <ac:chgData name="Fatima Pillosu" userId="a6295d4dc9e22643" providerId="LiveId" clId="{BF4D6480-94C7-4D31-A852-C808A49439DD}" dt="2020-12-03T12:23:23.068" v="688"/>
           <ac:spMkLst>
@@ -2519,12 +2527,28 @@
             <ac:spMk id="768" creationId="{28DF173D-CEB2-454B-88AE-A1246037B467}"/>
           </ac:spMkLst>
         </pc:spChg>
+        <pc:spChg chg="add mod">
+          <ac:chgData name="Fatima Pillosu" userId="a6295d4dc9e22643" providerId="LiveId" clId="{BF4D6480-94C7-4D31-A852-C808A49439DD}" dt="2020-12-03T16:00:15.256" v="2807" actId="20577"/>
+          <ac:spMkLst>
+            <pc:docMk/>
+            <pc:sldMk cId="1556184242" sldId="256"/>
+            <ac:spMk id="770" creationId="{C5862C4F-2782-43AD-8537-2A0A5B6DC3B9}"/>
+          </ac:spMkLst>
+        </pc:spChg>
+        <pc:spChg chg="add mod">
+          <ac:chgData name="Fatima Pillosu" userId="a6295d4dc9e22643" providerId="LiveId" clId="{BF4D6480-94C7-4D31-A852-C808A49439DD}" dt="2020-12-03T16:01:31.362" v="2849" actId="1076"/>
+          <ac:spMkLst>
+            <pc:docMk/>
+            <pc:sldMk cId="1556184242" sldId="256"/>
+            <ac:spMk id="772" creationId="{066B4BB6-2FF0-44D4-85B5-664C4BE81969}"/>
+          </ac:spMkLst>
+        </pc:spChg>
         <pc:spChg chg="add">
           <ac:chgData name="Fatima Pillosu" userId="a6295d4dc9e22643" providerId="LiveId" clId="{BF4D6480-94C7-4D31-A852-C808A49439DD}" dt="2020-12-03T15:03:41.449" v="2585"/>
           <ac:spMkLst>
             <pc:docMk/>
             <pc:sldMk cId="1556184242" sldId="256"/>
-            <ac:spMk id="770" creationId="{C5862C4F-2782-43AD-8537-2A0A5B6DC3B9}"/>
+            <ac:spMk id="773" creationId="{C4F9E052-B2FA-4AF6-B04B-AD82EC02EAC7}"/>
           </ac:spMkLst>
         </pc:spChg>
         <pc:spChg chg="add">
@@ -2532,7 +2556,7 @@
           <ac:spMkLst>
             <pc:docMk/>
             <pc:sldMk cId="1556184242" sldId="256"/>
-            <ac:spMk id="772" creationId="{066B4BB6-2FF0-44D4-85B5-664C4BE81969}"/>
+            <ac:spMk id="774" creationId="{7BA0335A-D281-4FD7-9B65-E7956DE701DA}"/>
           </ac:spMkLst>
         </pc:spChg>
         <pc:spChg chg="add">
@@ -2540,7 +2564,7 @@
           <ac:spMkLst>
             <pc:docMk/>
             <pc:sldMk cId="1556184242" sldId="256"/>
-            <ac:spMk id="773" creationId="{C4F9E052-B2FA-4AF6-B04B-AD82EC02EAC7}"/>
+            <ac:spMk id="775" creationId="{A4F7C388-3A31-4B22-82F9-34878C903931}"/>
           </ac:spMkLst>
         </pc:spChg>
         <pc:spChg chg="add">
@@ -2548,7 +2572,7 @@
           <ac:spMkLst>
             <pc:docMk/>
             <pc:sldMk cId="1556184242" sldId="256"/>
-            <ac:spMk id="774" creationId="{7BA0335A-D281-4FD7-9B65-E7956DE701DA}"/>
+            <ac:spMk id="824" creationId="{BA79A62F-C446-405B-BAF1-19B7022BC82D}"/>
           </ac:spMkLst>
         </pc:spChg>
         <pc:spChg chg="add">
@@ -2556,7 +2580,7 @@
           <ac:spMkLst>
             <pc:docMk/>
             <pc:sldMk cId="1556184242" sldId="256"/>
-            <ac:spMk id="775" creationId="{A4F7C388-3A31-4B22-82F9-34878C903931}"/>
+            <ac:spMk id="825" creationId="{40700E34-31F8-4999-8F3C-109ADABBB091}"/>
           </ac:spMkLst>
         </pc:spChg>
         <pc:spChg chg="add">
@@ -2564,7 +2588,15 @@
           <ac:spMkLst>
             <pc:docMk/>
             <pc:sldMk cId="1556184242" sldId="256"/>
-            <ac:spMk id="824" creationId="{BA79A62F-C446-405B-BAF1-19B7022BC82D}"/>
+            <ac:spMk id="827" creationId="{036C2D3E-6878-4AE4-AAB6-37B42A36C864}"/>
+          </ac:spMkLst>
+        </pc:spChg>
+        <pc:spChg chg="add mod">
+          <ac:chgData name="Fatima Pillosu" userId="a6295d4dc9e22643" providerId="LiveId" clId="{BF4D6480-94C7-4D31-A852-C808A49439DD}" dt="2020-12-03T16:00:56.118" v="2831" actId="1076"/>
+          <ac:spMkLst>
+            <pc:docMk/>
+            <pc:sldMk cId="1556184242" sldId="256"/>
+            <ac:spMk id="828" creationId="{37FCB9C5-47F1-42DA-88FB-240F6F26A3C9}"/>
           </ac:spMkLst>
         </pc:spChg>
         <pc:spChg chg="add">
@@ -2572,7 +2604,15 @@
           <ac:spMkLst>
             <pc:docMk/>
             <pc:sldMk cId="1556184242" sldId="256"/>
-            <ac:spMk id="825" creationId="{40700E34-31F8-4999-8F3C-109ADABBB091}"/>
+            <ac:spMk id="832" creationId="{C7598A48-9B26-42E4-9628-E769FE9A98A0}"/>
+          </ac:spMkLst>
+        </pc:spChg>
+        <pc:spChg chg="add mod">
+          <ac:chgData name="Fatima Pillosu" userId="a6295d4dc9e22643" providerId="LiveId" clId="{BF4D6480-94C7-4D31-A852-C808A49439DD}" dt="2020-12-03T15:57:02.239" v="2788" actId="20577"/>
+          <ac:spMkLst>
+            <pc:docMk/>
+            <pc:sldMk cId="1556184242" sldId="256"/>
+            <ac:spMk id="835" creationId="{BCEED33D-9AFC-4B68-BAD2-29C607B576F0}"/>
           </ac:spMkLst>
         </pc:spChg>
         <pc:spChg chg="add">
@@ -2580,7 +2620,23 @@
           <ac:spMkLst>
             <pc:docMk/>
             <pc:sldMk cId="1556184242" sldId="256"/>
-            <ac:spMk id="827" creationId="{036C2D3E-6878-4AE4-AAB6-37B42A36C864}"/>
+            <ac:spMk id="837" creationId="{57254710-B05B-421B-A91D-9D18E490715E}"/>
+          </ac:spMkLst>
+        </pc:spChg>
+        <pc:spChg chg="add mod">
+          <ac:chgData name="Fatima Pillosu" userId="a6295d4dc9e22643" providerId="LiveId" clId="{BF4D6480-94C7-4D31-A852-C808A49439DD}" dt="2020-12-03T16:11:40.301" v="2917" actId="1036"/>
+          <ac:spMkLst>
+            <pc:docMk/>
+            <pc:sldMk cId="1556184242" sldId="256"/>
+            <ac:spMk id="838" creationId="{71C1797A-45CA-4620-B707-8A9F9620068A}"/>
+          </ac:spMkLst>
+        </pc:spChg>
+        <pc:spChg chg="add mod">
+          <ac:chgData name="Fatima Pillosu" userId="a6295d4dc9e22643" providerId="LiveId" clId="{BF4D6480-94C7-4D31-A852-C808A49439DD}" dt="2020-12-03T16:11:40.301" v="2917" actId="1036"/>
+          <ac:spMkLst>
+            <pc:docMk/>
+            <pc:sldMk cId="1556184242" sldId="256"/>
+            <ac:spMk id="839" creationId="{56566E09-119A-49BA-9D44-2BC84FC0BF97}"/>
           </ac:spMkLst>
         </pc:spChg>
         <pc:spChg chg="add">
@@ -2588,7 +2644,7 @@
           <ac:spMkLst>
             <pc:docMk/>
             <pc:sldMk cId="1556184242" sldId="256"/>
-            <ac:spMk id="828" creationId="{37FCB9C5-47F1-42DA-88FB-240F6F26A3C9}"/>
+            <ac:spMk id="840" creationId="{E5CB7753-8C48-40D6-99EF-E4EB513B7DC6}"/>
           </ac:spMkLst>
         </pc:spChg>
         <pc:spChg chg="add">
@@ -2596,7 +2652,7 @@
           <ac:spMkLst>
             <pc:docMk/>
             <pc:sldMk cId="1556184242" sldId="256"/>
-            <ac:spMk id="832" creationId="{C7598A48-9B26-42E4-9628-E769FE9A98A0}"/>
+            <ac:spMk id="841" creationId="{AFBCF053-577C-4133-A738-DE776293E83D}"/>
           </ac:spMkLst>
         </pc:spChg>
         <pc:spChg chg="add">
@@ -2604,7 +2660,7 @@
           <ac:spMkLst>
             <pc:docMk/>
             <pc:sldMk cId="1556184242" sldId="256"/>
-            <ac:spMk id="835" creationId="{BCEED33D-9AFC-4B68-BAD2-29C607B576F0}"/>
+            <ac:spMk id="842" creationId="{6FC42116-0ED2-4362-8C8F-F7FA73484B61}"/>
           </ac:spMkLst>
         </pc:spChg>
         <pc:spChg chg="add">
@@ -2612,7 +2668,7 @@
           <ac:spMkLst>
             <pc:docMk/>
             <pc:sldMk cId="1556184242" sldId="256"/>
-            <ac:spMk id="837" creationId="{57254710-B05B-421B-A91D-9D18E490715E}"/>
+            <ac:spMk id="843" creationId="{F61DA5DD-75BD-4B79-89CF-62287448ECC6}"/>
           </ac:spMkLst>
         </pc:spChg>
         <pc:spChg chg="add">
@@ -2620,7 +2676,7 @@
           <ac:spMkLst>
             <pc:docMk/>
             <pc:sldMk cId="1556184242" sldId="256"/>
-            <ac:spMk id="838" creationId="{71C1797A-45CA-4620-B707-8A9F9620068A}"/>
+            <ac:spMk id="844" creationId="{0F58EFE4-92DF-4CA7-8613-6FD3183CC001}"/>
           </ac:spMkLst>
         </pc:spChg>
         <pc:spChg chg="add">
@@ -2628,7 +2684,7 @@
           <ac:spMkLst>
             <pc:docMk/>
             <pc:sldMk cId="1556184242" sldId="256"/>
-            <ac:spMk id="839" creationId="{56566E09-119A-49BA-9D44-2BC84FC0BF97}"/>
+            <ac:spMk id="845" creationId="{C9E43866-2EAD-4962-B9AA-40F8AC93100C}"/>
           </ac:spMkLst>
         </pc:spChg>
         <pc:spChg chg="add">
@@ -2636,7 +2692,7 @@
           <ac:spMkLst>
             <pc:docMk/>
             <pc:sldMk cId="1556184242" sldId="256"/>
-            <ac:spMk id="840" creationId="{E5CB7753-8C48-40D6-99EF-E4EB513B7DC6}"/>
+            <ac:spMk id="847" creationId="{C6FF7F9F-CD04-47F3-9F6A-BD62574B76FC}"/>
           </ac:spMkLst>
         </pc:spChg>
         <pc:spChg chg="add">
@@ -2644,7 +2700,7 @@
           <ac:spMkLst>
             <pc:docMk/>
             <pc:sldMk cId="1556184242" sldId="256"/>
-            <ac:spMk id="841" creationId="{AFBCF053-577C-4133-A738-DE776293E83D}"/>
+            <ac:spMk id="849" creationId="{2F13892D-0BAC-46B5-95A8-9E6393842A04}"/>
           </ac:spMkLst>
         </pc:spChg>
         <pc:spChg chg="add">
@@ -2652,7 +2708,7 @@
           <ac:spMkLst>
             <pc:docMk/>
             <pc:sldMk cId="1556184242" sldId="256"/>
-            <ac:spMk id="842" creationId="{6FC42116-0ED2-4362-8C8F-F7FA73484B61}"/>
+            <ac:spMk id="850" creationId="{BECB9C97-7DA9-45BE-A3A5-50E1A566DFC1}"/>
           </ac:spMkLst>
         </pc:spChg>
         <pc:spChg chg="add">
@@ -2660,7 +2716,7 @@
           <ac:spMkLst>
             <pc:docMk/>
             <pc:sldMk cId="1556184242" sldId="256"/>
-            <ac:spMk id="843" creationId="{F61DA5DD-75BD-4B79-89CF-62287448ECC6}"/>
+            <ac:spMk id="852" creationId="{0D193606-88FA-4D6F-84B8-CF1F23778EB0}"/>
           </ac:spMkLst>
         </pc:spChg>
         <pc:spChg chg="add">
@@ -2668,7 +2724,7 @@
           <ac:spMkLst>
             <pc:docMk/>
             <pc:sldMk cId="1556184242" sldId="256"/>
-            <ac:spMk id="844" creationId="{0F58EFE4-92DF-4CA7-8613-6FD3183CC001}"/>
+            <ac:spMk id="853" creationId="{6DB0DEB6-DCFB-42F4-B2C8-729F7EC3AB86}"/>
           </ac:spMkLst>
         </pc:spChg>
         <pc:spChg chg="add">
@@ -2676,7 +2732,7 @@
           <ac:spMkLst>
             <pc:docMk/>
             <pc:sldMk cId="1556184242" sldId="256"/>
-            <ac:spMk id="845" creationId="{C9E43866-2EAD-4962-B9AA-40F8AC93100C}"/>
+            <ac:spMk id="854" creationId="{A16AC276-F2CA-439F-98DE-CE2495DB7F8F}"/>
           </ac:spMkLst>
         </pc:spChg>
         <pc:spChg chg="add">
@@ -2684,7 +2740,7 @@
           <ac:spMkLst>
             <pc:docMk/>
             <pc:sldMk cId="1556184242" sldId="256"/>
-            <ac:spMk id="847" creationId="{C6FF7F9F-CD04-47F3-9F6A-BD62574B76FC}"/>
+            <ac:spMk id="855" creationId="{334EC078-1A26-43FF-B008-3E7D1F955165}"/>
           </ac:spMkLst>
         </pc:spChg>
         <pc:spChg chg="add">
@@ -2692,7 +2748,7 @@
           <ac:spMkLst>
             <pc:docMk/>
             <pc:sldMk cId="1556184242" sldId="256"/>
-            <ac:spMk id="849" creationId="{2F13892D-0BAC-46B5-95A8-9E6393842A04}"/>
+            <ac:spMk id="856" creationId="{17144526-C8A7-4ED9-86AE-EAE2044C3528}"/>
           </ac:spMkLst>
         </pc:spChg>
         <pc:spChg chg="add">
@@ -2700,7 +2756,7 @@
           <ac:spMkLst>
             <pc:docMk/>
             <pc:sldMk cId="1556184242" sldId="256"/>
-            <ac:spMk id="850" creationId="{BECB9C97-7DA9-45BE-A3A5-50E1A566DFC1}"/>
+            <ac:spMk id="857" creationId="{D6CDA911-9995-4FB5-8A5F-DF8A686F928C}"/>
           </ac:spMkLst>
         </pc:spChg>
         <pc:spChg chg="add">
@@ -2708,7 +2764,7 @@
           <ac:spMkLst>
             <pc:docMk/>
             <pc:sldMk cId="1556184242" sldId="256"/>
-            <ac:spMk id="852" creationId="{0D193606-88FA-4D6F-84B8-CF1F23778EB0}"/>
+            <ac:spMk id="858" creationId="{7F2D94BD-BD6A-43AF-85CC-362D1763F45C}"/>
           </ac:spMkLst>
         </pc:spChg>
         <pc:spChg chg="add">
@@ -2716,7 +2772,7 @@
           <ac:spMkLst>
             <pc:docMk/>
             <pc:sldMk cId="1556184242" sldId="256"/>
-            <ac:spMk id="853" creationId="{6DB0DEB6-DCFB-42F4-B2C8-729F7EC3AB86}"/>
+            <ac:spMk id="859" creationId="{4BF7A392-E495-433E-B9B2-5DA81A6B09BB}"/>
           </ac:spMkLst>
         </pc:spChg>
         <pc:spChg chg="add">
@@ -2724,7 +2780,7 @@
           <ac:spMkLst>
             <pc:docMk/>
             <pc:sldMk cId="1556184242" sldId="256"/>
-            <ac:spMk id="854" creationId="{A16AC276-F2CA-439F-98DE-CE2495DB7F8F}"/>
+            <ac:spMk id="860" creationId="{B21A13E8-9546-460A-9AD3-5EA7E00E6663}"/>
           </ac:spMkLst>
         </pc:spChg>
         <pc:spChg chg="add">
@@ -2732,7 +2788,7 @@
           <ac:spMkLst>
             <pc:docMk/>
             <pc:sldMk cId="1556184242" sldId="256"/>
-            <ac:spMk id="855" creationId="{334EC078-1A26-43FF-B008-3E7D1F955165}"/>
+            <ac:spMk id="861" creationId="{BDEB01B9-F15C-4BE0-8762-86197981673C}"/>
           </ac:spMkLst>
         </pc:spChg>
         <pc:spChg chg="add">
@@ -2740,7 +2796,7 @@
           <ac:spMkLst>
             <pc:docMk/>
             <pc:sldMk cId="1556184242" sldId="256"/>
-            <ac:spMk id="856" creationId="{17144526-C8A7-4ED9-86AE-EAE2044C3528}"/>
+            <ac:spMk id="862" creationId="{759C60E1-67B9-4354-A209-7C461AD49BDD}"/>
           </ac:spMkLst>
         </pc:spChg>
         <pc:spChg chg="add">
@@ -2748,7 +2804,7 @@
           <ac:spMkLst>
             <pc:docMk/>
             <pc:sldMk cId="1556184242" sldId="256"/>
-            <ac:spMk id="857" creationId="{D6CDA911-9995-4FB5-8A5F-DF8A686F928C}"/>
+            <ac:spMk id="863" creationId="{EAE67EC3-BA19-47BA-B02C-4D633CF13531}"/>
           </ac:spMkLst>
         </pc:spChg>
         <pc:spChg chg="add">
@@ -2756,7 +2812,7 @@
           <ac:spMkLst>
             <pc:docMk/>
             <pc:sldMk cId="1556184242" sldId="256"/>
-            <ac:spMk id="858" creationId="{7F2D94BD-BD6A-43AF-85CC-362D1763F45C}"/>
+            <ac:spMk id="864" creationId="{E2ACC493-E770-4700-BC93-686145DE5E4A}"/>
           </ac:spMkLst>
         </pc:spChg>
         <pc:spChg chg="add">
@@ -2764,7 +2820,7 @@
           <ac:spMkLst>
             <pc:docMk/>
             <pc:sldMk cId="1556184242" sldId="256"/>
-            <ac:spMk id="859" creationId="{4BF7A392-E495-433E-B9B2-5DA81A6B09BB}"/>
+            <ac:spMk id="865" creationId="{F8DCF2DF-3C7B-44EF-AF0F-55B9EB1DA36F}"/>
           </ac:spMkLst>
         </pc:spChg>
         <pc:spChg chg="add">
@@ -2772,7 +2828,7 @@
           <ac:spMkLst>
             <pc:docMk/>
             <pc:sldMk cId="1556184242" sldId="256"/>
-            <ac:spMk id="860" creationId="{B21A13E8-9546-460A-9AD3-5EA7E00E6663}"/>
+            <ac:spMk id="867" creationId="{9A8A7341-144F-4B29-B5E9-703868892301}"/>
           </ac:spMkLst>
         </pc:spChg>
         <pc:spChg chg="add">
@@ -2780,7 +2836,7 @@
           <ac:spMkLst>
             <pc:docMk/>
             <pc:sldMk cId="1556184242" sldId="256"/>
-            <ac:spMk id="861" creationId="{BDEB01B9-F15C-4BE0-8762-86197981673C}"/>
+            <ac:spMk id="868" creationId="{6A456055-3152-4606-AA37-0770D62B0EA4}"/>
           </ac:spMkLst>
         </pc:spChg>
         <pc:spChg chg="add">
@@ -2788,7 +2844,7 @@
           <ac:spMkLst>
             <pc:docMk/>
             <pc:sldMk cId="1556184242" sldId="256"/>
-            <ac:spMk id="862" creationId="{759C60E1-67B9-4354-A209-7C461AD49BDD}"/>
+            <ac:spMk id="870" creationId="{6CB96A11-5B3E-45B4-88E5-0FA0E748E944}"/>
           </ac:spMkLst>
         </pc:spChg>
         <pc:spChg chg="add">
@@ -2796,7 +2852,7 @@
           <ac:spMkLst>
             <pc:docMk/>
             <pc:sldMk cId="1556184242" sldId="256"/>
-            <ac:spMk id="863" creationId="{EAE67EC3-BA19-47BA-B02C-4D633CF13531}"/>
+            <ac:spMk id="871" creationId="{20C1870F-5978-4CF8-8D70-DD206127A043}"/>
           </ac:spMkLst>
         </pc:spChg>
         <pc:spChg chg="add">
@@ -2804,7 +2860,15 @@
           <ac:spMkLst>
             <pc:docMk/>
             <pc:sldMk cId="1556184242" sldId="256"/>
-            <ac:spMk id="864" creationId="{E2ACC493-E770-4700-BC93-686145DE5E4A}"/>
+            <ac:spMk id="872" creationId="{F4C16D91-CBCF-4639-B9AF-7604AF7E97DA}"/>
+          </ac:spMkLst>
+        </pc:spChg>
+        <pc:spChg chg="add mod">
+          <ac:chgData name="Fatima Pillosu" userId="a6295d4dc9e22643" providerId="LiveId" clId="{BF4D6480-94C7-4D31-A852-C808A49439DD}" dt="2020-12-03T15:56:42.097" v="2782" actId="20577"/>
+          <ac:spMkLst>
+            <pc:docMk/>
+            <pc:sldMk cId="1556184242" sldId="256"/>
+            <ac:spMk id="876" creationId="{C47A8EBC-7A10-4C99-8782-2195FB92F18E}"/>
           </ac:spMkLst>
         </pc:spChg>
         <pc:spChg chg="add">
@@ -2812,7 +2876,23 @@
           <ac:spMkLst>
             <pc:docMk/>
             <pc:sldMk cId="1556184242" sldId="256"/>
-            <ac:spMk id="865" creationId="{F8DCF2DF-3C7B-44EF-AF0F-55B9EB1DA36F}"/>
+            <ac:spMk id="877" creationId="{5D193FE4-CADF-40C4-BBB1-C77D9ADDAC4E}"/>
+          </ac:spMkLst>
+        </pc:spChg>
+        <pc:spChg chg="add mod">
+          <ac:chgData name="Fatima Pillosu" userId="a6295d4dc9e22643" providerId="LiveId" clId="{BF4D6480-94C7-4D31-A852-C808A49439DD}" dt="2020-12-03T16:11:25.888" v="2912" actId="1076"/>
+          <ac:spMkLst>
+            <pc:docMk/>
+            <pc:sldMk cId="1556184242" sldId="256"/>
+            <ac:spMk id="878" creationId="{8980ADA2-9E50-4B15-BB13-368100CB74FA}"/>
+          </ac:spMkLst>
+        </pc:spChg>
+        <pc:spChg chg="add mod">
+          <ac:chgData name="Fatima Pillosu" userId="a6295d4dc9e22643" providerId="LiveId" clId="{BF4D6480-94C7-4D31-A852-C808A49439DD}" dt="2020-12-03T16:11:05.341" v="2891" actId="14100"/>
+          <ac:spMkLst>
+            <pc:docMk/>
+            <pc:sldMk cId="1556184242" sldId="256"/>
+            <ac:spMk id="879" creationId="{E60D7319-49A0-4BBC-918B-E40588AF8B2E}"/>
           </ac:spMkLst>
         </pc:spChg>
         <pc:spChg chg="add">
@@ -2820,83 +2900,11 @@
           <ac:spMkLst>
             <pc:docMk/>
             <pc:sldMk cId="1556184242" sldId="256"/>
-            <ac:spMk id="867" creationId="{9A8A7341-144F-4B29-B5E9-703868892301}"/>
-          </ac:spMkLst>
-        </pc:spChg>
-        <pc:spChg chg="add">
-          <ac:chgData name="Fatima Pillosu" userId="a6295d4dc9e22643" providerId="LiveId" clId="{BF4D6480-94C7-4D31-A852-C808A49439DD}" dt="2020-12-03T15:03:41.449" v="2585"/>
-          <ac:spMkLst>
-            <pc:docMk/>
-            <pc:sldMk cId="1556184242" sldId="256"/>
-            <ac:spMk id="868" creationId="{6A456055-3152-4606-AA37-0770D62B0EA4}"/>
-          </ac:spMkLst>
-        </pc:spChg>
-        <pc:spChg chg="add">
-          <ac:chgData name="Fatima Pillosu" userId="a6295d4dc9e22643" providerId="LiveId" clId="{BF4D6480-94C7-4D31-A852-C808A49439DD}" dt="2020-12-03T15:03:41.449" v="2585"/>
-          <ac:spMkLst>
-            <pc:docMk/>
-            <pc:sldMk cId="1556184242" sldId="256"/>
-            <ac:spMk id="870" creationId="{6CB96A11-5B3E-45B4-88E5-0FA0E748E944}"/>
-          </ac:spMkLst>
-        </pc:spChg>
-        <pc:spChg chg="add">
-          <ac:chgData name="Fatima Pillosu" userId="a6295d4dc9e22643" providerId="LiveId" clId="{BF4D6480-94C7-4D31-A852-C808A49439DD}" dt="2020-12-03T15:03:41.449" v="2585"/>
-          <ac:spMkLst>
-            <pc:docMk/>
-            <pc:sldMk cId="1556184242" sldId="256"/>
-            <ac:spMk id="871" creationId="{20C1870F-5978-4CF8-8D70-DD206127A043}"/>
-          </ac:spMkLst>
-        </pc:spChg>
-        <pc:spChg chg="add">
-          <ac:chgData name="Fatima Pillosu" userId="a6295d4dc9e22643" providerId="LiveId" clId="{BF4D6480-94C7-4D31-A852-C808A49439DD}" dt="2020-12-03T15:03:41.449" v="2585"/>
-          <ac:spMkLst>
-            <pc:docMk/>
-            <pc:sldMk cId="1556184242" sldId="256"/>
-            <ac:spMk id="872" creationId="{F4C16D91-CBCF-4639-B9AF-7604AF7E97DA}"/>
-          </ac:spMkLst>
-        </pc:spChg>
-        <pc:spChg chg="add">
-          <ac:chgData name="Fatima Pillosu" userId="a6295d4dc9e22643" providerId="LiveId" clId="{BF4D6480-94C7-4D31-A852-C808A49439DD}" dt="2020-12-03T15:03:41.449" v="2585"/>
-          <ac:spMkLst>
-            <pc:docMk/>
-            <pc:sldMk cId="1556184242" sldId="256"/>
-            <ac:spMk id="876" creationId="{C47A8EBC-7A10-4C99-8782-2195FB92F18E}"/>
-          </ac:spMkLst>
-        </pc:spChg>
-        <pc:spChg chg="add">
-          <ac:chgData name="Fatima Pillosu" userId="a6295d4dc9e22643" providerId="LiveId" clId="{BF4D6480-94C7-4D31-A852-C808A49439DD}" dt="2020-12-03T15:03:41.449" v="2585"/>
-          <ac:spMkLst>
-            <pc:docMk/>
-            <pc:sldMk cId="1556184242" sldId="256"/>
-            <ac:spMk id="877" creationId="{5D193FE4-CADF-40C4-BBB1-C77D9ADDAC4E}"/>
-          </ac:spMkLst>
-        </pc:spChg>
-        <pc:spChg chg="add">
-          <ac:chgData name="Fatima Pillosu" userId="a6295d4dc9e22643" providerId="LiveId" clId="{BF4D6480-94C7-4D31-A852-C808A49439DD}" dt="2020-12-03T15:03:41.449" v="2585"/>
-          <ac:spMkLst>
-            <pc:docMk/>
-            <pc:sldMk cId="1556184242" sldId="256"/>
-            <ac:spMk id="878" creationId="{8980ADA2-9E50-4B15-BB13-368100CB74FA}"/>
-          </ac:spMkLst>
-        </pc:spChg>
-        <pc:spChg chg="add">
-          <ac:chgData name="Fatima Pillosu" userId="a6295d4dc9e22643" providerId="LiveId" clId="{BF4D6480-94C7-4D31-A852-C808A49439DD}" dt="2020-12-03T15:03:41.449" v="2585"/>
-          <ac:spMkLst>
-            <pc:docMk/>
-            <pc:sldMk cId="1556184242" sldId="256"/>
-            <ac:spMk id="879" creationId="{E60D7319-49A0-4BBC-918B-E40588AF8B2E}"/>
-          </ac:spMkLst>
-        </pc:spChg>
-        <pc:spChg chg="add">
-          <ac:chgData name="Fatima Pillosu" userId="a6295d4dc9e22643" providerId="LiveId" clId="{BF4D6480-94C7-4D31-A852-C808A49439DD}" dt="2020-12-03T15:03:41.449" v="2585"/>
-          <ac:spMkLst>
-            <pc:docMk/>
-            <pc:sldMk cId="1556184242" sldId="256"/>
             <ac:spMk id="880" creationId="{E643CA91-06BD-4A29-9C77-31C89B0136FF}"/>
           </ac:spMkLst>
         </pc:spChg>
-        <pc:spChg chg="add">
-          <ac:chgData name="Fatima Pillosu" userId="a6295d4dc9e22643" providerId="LiveId" clId="{BF4D6480-94C7-4D31-A852-C808A49439DD}" dt="2020-12-03T15:03:41.449" v="2585"/>
+        <pc:spChg chg="add mod">
+          <ac:chgData name="Fatima Pillosu" userId="a6295d4dc9e22643" providerId="LiveId" clId="{BF4D6480-94C7-4D31-A852-C808A49439DD}" dt="2020-12-03T15:52:55.575" v="2608" actId="20577"/>
           <ac:spMkLst>
             <pc:docMk/>
             <pc:sldMk cId="1556184242" sldId="256"/>
@@ -4487,16 +4495,16 @@
             <ac:cxnSpMk id="769" creationId="{458AA0EF-93FA-44C1-95F6-CE939DEDC785}"/>
           </ac:cxnSpMkLst>
         </pc:cxnChg>
-        <pc:cxnChg chg="add">
-          <ac:chgData name="Fatima Pillosu" userId="a6295d4dc9e22643" providerId="LiveId" clId="{BF4D6480-94C7-4D31-A852-C808A49439DD}" dt="2020-12-03T15:03:41.449" v="2585"/>
+        <pc:cxnChg chg="add mod">
+          <ac:chgData name="Fatima Pillosu" userId="a6295d4dc9e22643" providerId="LiveId" clId="{BF4D6480-94C7-4D31-A852-C808A49439DD}" dt="2020-12-03T16:01:31.362" v="2849" actId="1076"/>
           <ac:cxnSpMkLst>
             <pc:docMk/>
             <pc:sldMk cId="1556184242" sldId="256"/>
             <ac:cxnSpMk id="771" creationId="{94541057-DA6E-484D-A820-6D07EEE7FD6F}"/>
           </ac:cxnSpMkLst>
         </pc:cxnChg>
-        <pc:cxnChg chg="add">
-          <ac:chgData name="Fatima Pillosu" userId="a6295d4dc9e22643" providerId="LiveId" clId="{BF4D6480-94C7-4D31-A852-C808A49439DD}" dt="2020-12-03T15:03:41.449" v="2585"/>
+        <pc:cxnChg chg="add mod">
+          <ac:chgData name="Fatima Pillosu" userId="a6295d4dc9e22643" providerId="LiveId" clId="{BF4D6480-94C7-4D31-A852-C808A49439DD}" dt="2020-12-03T16:00:56.118" v="2831" actId="1076"/>
           <ac:cxnSpMkLst>
             <pc:docMk/>
             <pc:sldMk cId="1556184242" sldId="256"/>
@@ -4511,8 +4519,8 @@
             <ac:cxnSpMk id="829" creationId="{AB0CE550-4D3C-452C-B6BB-D025DF76B5B5}"/>
           </ac:cxnSpMkLst>
         </pc:cxnChg>
-        <pc:cxnChg chg="add">
-          <ac:chgData name="Fatima Pillosu" userId="a6295d4dc9e22643" providerId="LiveId" clId="{BF4D6480-94C7-4D31-A852-C808A49439DD}" dt="2020-12-03T15:03:41.449" v="2585"/>
+        <pc:cxnChg chg="add mod">
+          <ac:chgData name="Fatima Pillosu" userId="a6295d4dc9e22643" providerId="LiveId" clId="{BF4D6480-94C7-4D31-A852-C808A49439DD}" dt="2020-12-03T16:00:59.657" v="2832" actId="14100"/>
           <ac:cxnSpMkLst>
             <pc:docMk/>
             <pc:sldMk cId="1556184242" sldId="256"/>
@@ -4527,16 +4535,16 @@
             <ac:cxnSpMk id="831" creationId="{331F527A-EF35-4C96-9FB0-C818BB219D31}"/>
           </ac:cxnSpMkLst>
         </pc:cxnChg>
-        <pc:cxnChg chg="add">
-          <ac:chgData name="Fatima Pillosu" userId="a6295d4dc9e22643" providerId="LiveId" clId="{BF4D6480-94C7-4D31-A852-C808A49439DD}" dt="2020-12-03T15:03:41.449" v="2585"/>
+        <pc:cxnChg chg="add mod">
+          <ac:chgData name="Fatima Pillosu" userId="a6295d4dc9e22643" providerId="LiveId" clId="{BF4D6480-94C7-4D31-A852-C808A49439DD}" dt="2020-12-03T16:09:34.902" v="2853" actId="14100"/>
           <ac:cxnSpMkLst>
             <pc:docMk/>
             <pc:sldMk cId="1556184242" sldId="256"/>
             <ac:cxnSpMk id="833" creationId="{3D25698E-B6AC-41E3-9826-857416523177}"/>
           </ac:cxnSpMkLst>
         </pc:cxnChg>
-        <pc:cxnChg chg="add">
-          <ac:chgData name="Fatima Pillosu" userId="a6295d4dc9e22643" providerId="LiveId" clId="{BF4D6480-94C7-4D31-A852-C808A49439DD}" dt="2020-12-03T15:03:41.449" v="2585"/>
+        <pc:cxnChg chg="add mod">
+          <ac:chgData name="Fatima Pillosu" userId="a6295d4dc9e22643" providerId="LiveId" clId="{BF4D6480-94C7-4D31-A852-C808A49439DD}" dt="2020-12-03T16:01:35.881" v="2850" actId="14100"/>
           <ac:cxnSpMkLst>
             <pc:docMk/>
             <pc:sldMk cId="1556184242" sldId="256"/>
@@ -4583,16 +4591,16 @@
             <ac:cxnSpMk id="869" creationId="{B58E2E62-9D50-459B-A609-922A7E23F56C}"/>
           </ac:cxnSpMkLst>
         </pc:cxnChg>
-        <pc:cxnChg chg="add">
-          <ac:chgData name="Fatima Pillosu" userId="a6295d4dc9e22643" providerId="LiveId" clId="{BF4D6480-94C7-4D31-A852-C808A49439DD}" dt="2020-12-03T15:03:41.449" v="2585"/>
+        <pc:cxnChg chg="add mod ord">
+          <ac:chgData name="Fatima Pillosu" userId="a6295d4dc9e22643" providerId="LiveId" clId="{BF4D6480-94C7-4D31-A852-C808A49439DD}" dt="2020-12-03T15:56:00.718" v="2776" actId="1036"/>
           <ac:cxnSpMkLst>
             <pc:docMk/>
             <pc:sldMk cId="1556184242" sldId="256"/>
             <ac:cxnSpMk id="873" creationId="{FFC33C81-BF7D-410D-B82C-C472F4861412}"/>
           </ac:cxnSpMkLst>
         </pc:cxnChg>
-        <pc:cxnChg chg="add">
-          <ac:chgData name="Fatima Pillosu" userId="a6295d4dc9e22643" providerId="LiveId" clId="{BF4D6480-94C7-4D31-A852-C808A49439DD}" dt="2020-12-03T15:03:41.449" v="2585"/>
+        <pc:cxnChg chg="add mod">
+          <ac:chgData name="Fatima Pillosu" userId="a6295d4dc9e22643" providerId="LiveId" clId="{BF4D6480-94C7-4D31-A852-C808A49439DD}" dt="2020-12-03T15:54:00.853" v="2663" actId="14100"/>
           <ac:cxnSpMkLst>
             <pc:docMk/>
             <pc:sldMk cId="1556184242" sldId="256"/>
@@ -8147,7 +8155,7 @@
                   </a:schemeClr>
                 </a:solidFill>
               </a:rPr>
-              <a:t>Expert elicitation is then applied again to refine the breakpoints of the G_WTs</a:t>
+              <a:t>Expert elicitation is then applied again to refine the G_WTs</a:t>
             </a:r>
           </a:p>
         </p:txBody>
@@ -8170,8 +8178,8 @@
         </p:nvCxnSpPr>
         <p:spPr>
           <a:xfrm flipH="1">
-            <a:off x="4402704" y="4335779"/>
-            <a:ext cx="1" cy="204598"/>
+            <a:off x="4401609" y="4335779"/>
+            <a:ext cx="1096" cy="193089"/>
           </a:xfrm>
           <a:prstGeom prst="line">
             <a:avLst/>
@@ -8215,8 +8223,8 @@
         </p:nvSpPr>
         <p:spPr>
           <a:xfrm>
-            <a:off x="3422787" y="4540377"/>
-            <a:ext cx="1959834" cy="215444"/>
+            <a:off x="3693525" y="4528868"/>
+            <a:ext cx="1416167" cy="338554"/>
           </a:xfrm>
           <a:prstGeom prst="rect">
             <a:avLst/>
@@ -8246,7 +8254,7 @@
                   </a:schemeClr>
                 </a:solidFill>
               </a:rPr>
-              <a:t>Creating a decision tree with all G_WTs</a:t>
+              <a:t>Creation of a decision tree with all the G_WTs</a:t>
             </a:r>
           </a:p>
         </p:txBody>
@@ -8570,9 +8578,9 @@
           <p:nvPr/>
         </p:nvCxnSpPr>
         <p:spPr>
-          <a:xfrm>
-            <a:off x="1184556" y="2765230"/>
-            <a:ext cx="0" cy="425391"/>
+          <a:xfrm flipH="1">
+            <a:off x="1188265" y="2753762"/>
+            <a:ext cx="9330" cy="436859"/>
           </a:xfrm>
           <a:prstGeom prst="line">
             <a:avLst/>
@@ -10896,8 +10904,8 @@
         </p:nvSpPr>
         <p:spPr>
           <a:xfrm>
-            <a:off x="449906" y="2303565"/>
-            <a:ext cx="1469299" cy="461665"/>
+            <a:off x="430910" y="2292097"/>
+            <a:ext cx="1533370" cy="461665"/>
           </a:xfrm>
           <a:prstGeom prst="rect">
             <a:avLst/>
@@ -10930,7 +10938,7 @@
                   </a:schemeClr>
                 </a:solidFill>
               </a:rPr>
-              <a:t>Establishing the relationship between O-F pairs:</a:t>
+              <a:t>Establishment of the relationship between O-F pairs:</a:t>
             </a:r>
           </a:p>
           <a:p>
@@ -11015,8 +11023,8 @@
         </p:nvCxnSpPr>
         <p:spPr>
           <a:xfrm>
-            <a:off x="1184556" y="1578100"/>
-            <a:ext cx="0" cy="725465"/>
+            <a:off x="1197595" y="1596833"/>
+            <a:ext cx="0" cy="695264"/>
           </a:xfrm>
           <a:prstGeom prst="line">
             <a:avLst/>
@@ -11165,8 +11173,8 @@
         </p:nvCxnSpPr>
         <p:spPr>
           <a:xfrm>
-            <a:off x="3276161" y="4648099"/>
-            <a:ext cx="0" cy="295050"/>
+            <a:off x="3276161" y="4688417"/>
+            <a:ext cx="0" cy="254732"/>
           </a:xfrm>
           <a:prstGeom prst="line">
             <a:avLst/>
@@ -11213,8 +11221,8 @@
         </p:nvCxnSpPr>
         <p:spPr>
           <a:xfrm flipH="1">
-            <a:off x="3273267" y="4648099"/>
-            <a:ext cx="149520" cy="0"/>
+            <a:off x="3280349" y="4698145"/>
+            <a:ext cx="413176" cy="0"/>
           </a:xfrm>
           <a:prstGeom prst="line">
             <a:avLst/>
@@ -11290,7 +11298,7 @@
                   <a:srgbClr val="00966F"/>
                 </a:solidFill>
               </a:rPr>
-              <a:t>(Operational, daily)</a:t>
+              <a:t>(Operational, twice daily)</a:t>
             </a:r>
           </a:p>
         </p:txBody>
@@ -11383,8 +11391,8 @@
         </p:nvSpPr>
         <p:spPr>
           <a:xfrm>
-            <a:off x="7249997" y="785295"/>
-            <a:ext cx="2019229" cy="338554"/>
+            <a:off x="7181120" y="834004"/>
+            <a:ext cx="2149533" cy="338554"/>
           </a:xfrm>
           <a:prstGeom prst="rect">
             <a:avLst/>
@@ -11404,7 +11412,7 @@
                   <a:srgbClr val="2A3EFA"/>
                 </a:solidFill>
               </a:rPr>
-              <a:t>ecPoint-Rainfall forecast distribution for one grid-box, for each ENS member</a:t>
+              <a:t>ecPoint-Rainfall forecast distribution (of 100 values) for one grid-box, for each ENS member</a:t>
             </a:r>
           </a:p>
         </p:txBody>
@@ -11423,7 +11431,7 @@
         </p:nvSpPr>
         <p:spPr>
           <a:xfrm>
-            <a:off x="7362221" y="618377"/>
+            <a:off x="7362221" y="667017"/>
             <a:ext cx="1759416" cy="215444"/>
           </a:xfrm>
           <a:prstGeom prst="rect">
@@ -17212,50 +17220,6 @@
       </p:sp>
       <p:cxnSp>
         <p:nvCxnSpPr>
-          <p:cNvPr id="873" name="Straight Arrow Connector 872">
-            <a:extLst>
-              <a:ext uri="{FF2B5EF4-FFF2-40B4-BE49-F238E27FC236}">
-                <a16:creationId xmlns:a16="http://schemas.microsoft.com/office/drawing/2014/main" id="{FFC33C81-BF7D-410D-B82C-C472F4861412}"/>
-              </a:ext>
-            </a:extLst>
-          </p:cNvPr>
-          <p:cNvCxnSpPr>
-            <a:cxnSpLocks/>
-          </p:cNvCxnSpPr>
-          <p:nvPr/>
-        </p:nvCxnSpPr>
-        <p:spPr>
-          <a:xfrm>
-            <a:off x="10856238" y="3321403"/>
-            <a:ext cx="260203" cy="740345"/>
-          </a:xfrm>
-          <a:prstGeom prst="straightConnector1">
-            <a:avLst/>
-          </a:prstGeom>
-          <a:ln>
-            <a:solidFill>
-              <a:srgbClr val="CC0099"/>
-            </a:solidFill>
-            <a:tailEnd type="triangle"/>
-          </a:ln>
-        </p:spPr>
-        <p:style>
-          <a:lnRef idx="1">
-            <a:schemeClr val="accent1"/>
-          </a:lnRef>
-          <a:fillRef idx="0">
-            <a:schemeClr val="accent1"/>
-          </a:fillRef>
-          <a:effectRef idx="0">
-            <a:schemeClr val="accent1"/>
-          </a:effectRef>
-          <a:fontRef idx="minor">
-            <a:schemeClr val="tx1"/>
-          </a:fontRef>
-        </p:style>
-      </p:cxnSp>
-      <p:cxnSp>
-        <p:nvCxnSpPr>
           <p:cNvPr id="874" name="Straight Arrow Connector 873">
             <a:extLst>
               <a:ext uri="{FF2B5EF4-FFF2-40B4-BE49-F238E27FC236}">
@@ -17270,8 +17234,8 @@
         </p:nvCxnSpPr>
         <p:spPr>
           <a:xfrm flipH="1">
-            <a:off x="10479938" y="3321404"/>
-            <a:ext cx="372512" cy="23575"/>
+            <a:off x="10479938" y="3167098"/>
+            <a:ext cx="224558" cy="177881"/>
           </a:xfrm>
           <a:prstGeom prst="straightConnector1">
             <a:avLst/>
@@ -17356,7 +17320,7 @@
         </p:nvSpPr>
         <p:spPr>
           <a:xfrm>
-            <a:off x="10579438" y="3006021"/>
+            <a:off x="10577978" y="2975163"/>
             <a:ext cx="941392" cy="338554"/>
           </a:xfrm>
           <a:prstGeom prst="rect">
@@ -17380,7 +17344,7 @@
                   <a:srgbClr val="CC0099"/>
                 </a:solidFill>
               </a:rPr>
-              <a:t>Probability of not exceeding Thr</a:t>
+              <a:t>Prob_ENS not exceeding Thr</a:t>
             </a:r>
           </a:p>
         </p:txBody>
@@ -17441,8 +17405,8 @@
         </p:nvSpPr>
         <p:spPr>
           <a:xfrm>
-            <a:off x="10068967" y="740686"/>
-            <a:ext cx="1768275" cy="338554"/>
+            <a:off x="10116917" y="586868"/>
+            <a:ext cx="1603431" cy="461665"/>
           </a:xfrm>
           <a:prstGeom prst="rect">
             <a:avLst/>
@@ -17462,7 +17426,7 @@
                   <a:srgbClr val="2A3EFA"/>
                 </a:solidFill>
               </a:rPr>
-              <a:t>Point rainfall forecast distribution for one grid-box, for all ENS members</a:t>
+              <a:t>Point rainfall forecast distribution (of 5100 values) for one grid-box, for all ENS members</a:t>
             </a:r>
           </a:p>
         </p:txBody>
@@ -17481,8 +17445,8 @@
         </p:nvSpPr>
         <p:spPr>
           <a:xfrm>
-            <a:off x="9949966" y="563482"/>
-            <a:ext cx="2006276" cy="215444"/>
+            <a:off x="10153148" y="280777"/>
+            <a:ext cx="1552393" cy="338554"/>
           </a:xfrm>
           <a:prstGeom prst="rect">
             <a:avLst/>
@@ -17502,7 +17466,7 @@
                   <a:srgbClr val="FF0000"/>
                 </a:solidFill>
               </a:rPr>
-              <a:t>ENS forecasts distribution for one grid-box</a:t>
+              <a:t>ENS forecasts distribution (of 51 values) for one grid-box</a:t>
             </a:r>
           </a:p>
         </p:txBody>
@@ -17582,7 +17546,7 @@
                   <a:srgbClr val="CC0099"/>
                 </a:solidFill>
               </a:rPr>
-              <a:t>Probability Exceeding a Threshold (%)</a:t>
+              <a:t>Probability of Not Exceeding a Threshold (%)</a:t>
             </a:r>
           </a:p>
         </p:txBody>
@@ -21161,6 +21125,93 @@
           </a:p>
         </p:txBody>
       </p:sp>
+      <p:cxnSp>
+        <p:nvCxnSpPr>
+          <p:cNvPr id="873" name="Straight Arrow Connector 872">
+            <a:extLst>
+              <a:ext uri="{FF2B5EF4-FFF2-40B4-BE49-F238E27FC236}">
+                <a16:creationId xmlns:a16="http://schemas.microsoft.com/office/drawing/2014/main" id="{FFC33C81-BF7D-410D-B82C-C472F4861412}"/>
+              </a:ext>
+            </a:extLst>
+          </p:cNvPr>
+          <p:cNvCxnSpPr>
+            <a:cxnSpLocks/>
+          </p:cNvCxnSpPr>
+          <p:nvPr/>
+        </p:nvCxnSpPr>
+        <p:spPr>
+          <a:xfrm flipH="1">
+            <a:off x="11106662" y="3788654"/>
+            <a:ext cx="33108" cy="234000"/>
+          </a:xfrm>
+          <a:prstGeom prst="straightConnector1">
+            <a:avLst/>
+          </a:prstGeom>
+          <a:ln>
+            <a:solidFill>
+              <a:srgbClr val="CC0099"/>
+            </a:solidFill>
+            <a:tailEnd type="triangle"/>
+          </a:ln>
+        </p:spPr>
+        <p:style>
+          <a:lnRef idx="1">
+            <a:schemeClr val="accent1"/>
+          </a:lnRef>
+          <a:fillRef idx="0">
+            <a:schemeClr val="accent1"/>
+          </a:fillRef>
+          <a:effectRef idx="0">
+            <a:schemeClr val="accent1"/>
+          </a:effectRef>
+          <a:fontRef idx="minor">
+            <a:schemeClr val="tx1"/>
+          </a:fontRef>
+        </p:style>
+      </p:cxnSp>
+      <p:sp>
+        <p:nvSpPr>
+          <p:cNvPr id="185" name="TextBox 184">
+            <a:extLst>
+              <a:ext uri="{FF2B5EF4-FFF2-40B4-BE49-F238E27FC236}">
+                <a16:creationId xmlns:a16="http://schemas.microsoft.com/office/drawing/2014/main" id="{BA2EB1FC-BD23-48FE-A7E3-6DD5723BEFF5}"/>
+              </a:ext>
+            </a:extLst>
+          </p:cNvPr>
+          <p:cNvSpPr txBox="1"/>
+          <p:nvPr/>
+        </p:nvSpPr>
+        <p:spPr>
+          <a:xfrm>
+            <a:off x="10697154" y="3368713"/>
+            <a:ext cx="885232" cy="461665"/>
+          </a:xfrm>
+          <a:prstGeom prst="rect">
+            <a:avLst/>
+          </a:prstGeom>
+          <a:noFill/>
+          <a:ln>
+            <a:noFill/>
+          </a:ln>
+        </p:spPr>
+        <p:txBody>
+          <a:bodyPr wrap="square" rtlCol="0">
+            <a:spAutoFit/>
+          </a:bodyPr>
+          <a:lstStyle/>
+          <a:p>
+            <a:pPr algn="ctr"/>
+            <a:r>
+              <a:rPr lang="en-GB" sz="800" b="1" dirty="0">
+                <a:solidFill>
+                  <a:srgbClr val="CC0099"/>
+                </a:solidFill>
+              </a:rPr>
+              <a:t>Prob_ecPoint not exceeding Thr</a:t>
+            </a:r>
+          </a:p>
+        </p:txBody>
+      </p:sp>
     </p:spTree>
     <p:extLst>
       <p:ext uri="{BB962C8B-B14F-4D97-AF65-F5344CB8AC3E}">
